--- a/report/Geodesics in Heat.pptx
+++ b/report/Geodesics in Heat.pptx
@@ -122,6 +122,11 @@
       </a:defRPr>
     </a:lvl9pPr>
   </p:defaultTextStyle>
+  <p:extLst>
+    <p:ext uri="{EFAFB233-063F-42B5-8137-9DF3F51BA10A}">
+      <p15:sldGuideLst xmlns:p15="http://schemas.microsoft.com/office/powerpoint/2012/main"/>
+    </p:ext>
+  </p:extLst>
 </p:presentation>
 </file>
 
@@ -448,7 +453,7 @@
             <a:fld id="{D57F1E4F-1CFF-5643-939E-217C01CDF565}" type="slidenum">
               <a:rPr lang="en-US" smtClean="0"/>
               <a:pPr/>
-              <a:t>‹#›</a:t>
+              <a:t>‹N°›</a:t>
             </a:fld>
             <a:endParaRPr lang="en-US" dirty="0"/>
           </a:p>
@@ -864,7 +869,7 @@
             <a:fld id="{D57F1E4F-1CFF-5643-939E-217C01CDF565}" type="slidenum">
               <a:rPr lang="en-US" smtClean="0"/>
               <a:pPr/>
-              <a:t>‹#›</a:t>
+              <a:t>‹N°›</a:t>
             </a:fld>
             <a:endParaRPr lang="en-US" dirty="0"/>
           </a:p>
@@ -1202,7 +1207,7 @@
             <a:fld id="{D57F1E4F-1CFF-5643-939E-217C01CDF565}" type="slidenum">
               <a:rPr lang="en-US" smtClean="0"/>
               <a:pPr/>
-              <a:t>‹#›</a:t>
+              <a:t>‹N°›</a:t>
             </a:fld>
             <a:endParaRPr lang="en-US" dirty="0"/>
           </a:p>
@@ -1609,7 +1614,7 @@
             <a:fld id="{D57F1E4F-1CFF-5643-939E-217C01CDF565}" type="slidenum">
               <a:rPr lang="en-US" smtClean="0"/>
               <a:pPr/>
-              <a:t>‹#›</a:t>
+              <a:t>‹N°›</a:t>
             </a:fld>
             <a:endParaRPr lang="en-US" dirty="0"/>
           </a:p>
@@ -2179,7 +2184,7 @@
             <a:fld id="{D57F1E4F-1CFF-5643-939E-217C01CDF565}" type="slidenum">
               <a:rPr lang="en-US" smtClean="0"/>
               <a:pPr/>
-              <a:t>‹#›</a:t>
+              <a:t>‹N°›</a:t>
             </a:fld>
             <a:endParaRPr lang="en-US" dirty="0"/>
           </a:p>
@@ -2857,7 +2862,7 @@
             <a:fld id="{D57F1E4F-1CFF-5643-939E-217C01CDF565}" type="slidenum">
               <a:rPr lang="en-US" smtClean="0"/>
               <a:pPr/>
-              <a:t>‹#›</a:t>
+              <a:t>‹N°›</a:t>
             </a:fld>
             <a:endParaRPr lang="en-US" dirty="0"/>
           </a:p>
@@ -3772,7 +3777,7 @@
             <a:fld id="{D57F1E4F-1CFF-5643-939E-217C01CDF565}" type="slidenum">
               <a:rPr lang="en-US" smtClean="0"/>
               <a:pPr/>
-              <a:t>‹#›</a:t>
+              <a:t>‹N°›</a:t>
             </a:fld>
             <a:endParaRPr lang="en-US" dirty="0"/>
           </a:p>
@@ -4087,7 +4092,7 @@
             <a:fld id="{D57F1E4F-1CFF-5643-939E-217C01CDF565}" type="slidenum">
               <a:rPr lang="en-US" smtClean="0"/>
               <a:pPr/>
-              <a:t>‹#›</a:t>
+              <a:t>‹N°›</a:t>
             </a:fld>
             <a:endParaRPr lang="en-US" dirty="0"/>
           </a:p>
@@ -4367,7 +4372,7 @@
             <a:fld id="{D57F1E4F-1CFF-5643-939E-217C01CDF565}" type="slidenum">
               <a:rPr lang="en-US" smtClean="0"/>
               <a:pPr/>
-              <a:t>‹#›</a:t>
+              <a:t>‹N°›</a:t>
             </a:fld>
             <a:endParaRPr lang="en-US" dirty="0"/>
           </a:p>
@@ -4678,7 +4683,7 @@
             <a:fld id="{D57F1E4F-1CFF-5643-939E-217C01CDF565}" type="slidenum">
               <a:rPr lang="en-US" smtClean="0"/>
               <a:pPr/>
-              <a:t>‹#›</a:t>
+              <a:t>‹N°›</a:t>
             </a:fld>
             <a:endParaRPr lang="en-US" dirty="0"/>
           </a:p>
@@ -5074,7 +5079,7 @@
             <a:fld id="{D57F1E4F-1CFF-5643-939E-217C01CDF565}" type="slidenum">
               <a:rPr lang="en-US" smtClean="0"/>
               <a:pPr/>
-              <a:t>‹#›</a:t>
+              <a:t>‹N°›</a:t>
             </a:fld>
             <a:endParaRPr lang="en-US" dirty="0"/>
           </a:p>
@@ -5447,7 +5452,7 @@
             <a:fld id="{D57F1E4F-1CFF-5643-939E-217C01CDF565}" type="slidenum">
               <a:rPr lang="en-US" smtClean="0"/>
               <a:pPr/>
-              <a:t>‹#›</a:t>
+              <a:t>‹N°›</a:t>
             </a:fld>
             <a:endParaRPr lang="en-US" dirty="0"/>
           </a:p>
@@ -5955,7 +5960,7 @@
             <a:fld id="{D57F1E4F-1CFF-5643-939E-217C01CDF565}" type="slidenum">
               <a:rPr lang="en-US" smtClean="0"/>
               <a:pPr/>
-              <a:t>‹#›</a:t>
+              <a:t>‹N°›</a:t>
             </a:fld>
             <a:endParaRPr lang="en-US" dirty="0"/>
           </a:p>
@@ -6214,7 +6219,7 @@
             <a:fld id="{D57F1E4F-1CFF-5643-939E-217C01CDF565}" type="slidenum">
               <a:rPr lang="en-US" smtClean="0"/>
               <a:pPr/>
-              <a:t>‹#›</a:t>
+              <a:t>‹N°›</a:t>
             </a:fld>
             <a:endParaRPr lang="en-US" dirty="0"/>
           </a:p>
@@ -6379,7 +6384,7 @@
             <a:fld id="{D57F1E4F-1CFF-5643-939E-217C01CDF565}" type="slidenum">
               <a:rPr lang="en-US" smtClean="0"/>
               <a:pPr/>
-              <a:t>‹#›</a:t>
+              <a:t>‹N°›</a:t>
             </a:fld>
             <a:endParaRPr lang="en-US" dirty="0"/>
           </a:p>
@@ -6771,7 +6776,7 @@
             <a:fld id="{D57F1E4F-1CFF-5643-939E-217C01CDF565}" type="slidenum">
               <a:rPr lang="en-US" smtClean="0"/>
               <a:pPr/>
-              <a:t>‹#›</a:t>
+              <a:t>‹N°›</a:t>
             </a:fld>
             <a:endParaRPr lang="en-US" dirty="0"/>
           </a:p>
@@ -7182,7 +7187,7 @@
             <a:fld id="{D57F1E4F-1CFF-5643-939E-217C01CDF565}" type="slidenum">
               <a:rPr lang="en-US" smtClean="0"/>
               <a:pPr/>
-              <a:t>‹#›</a:t>
+              <a:t>‹N°›</a:t>
             </a:fld>
             <a:endParaRPr lang="en-US" dirty="0"/>
           </a:p>
@@ -7464,7 +7469,7 @@
             <a:fld id="{D57F1E4F-1CFF-5643-939E-217C01CDF565}" type="slidenum">
               <a:rPr lang="en-US" smtClean="0"/>
               <a:pPr/>
-              <a:t>‹#›</a:t>
+              <a:t>‹N°›</a:t>
             </a:fld>
             <a:endParaRPr lang="en-US" dirty="0"/>
           </a:p>
@@ -8088,7 +8093,11 @@
                 <a:pPr lvl="1"/>
                 <a:r>
                   <a:rPr lang="fr-FR" altLang="zh-CN" dirty="0" smtClean="0"/>
-                  <a:t>Résolution de 2 systèmes triangulaire </a:t>
+                  <a:t>Résolution de 2 systèmes </a:t>
+                </a:r>
+                <a:r>
+                  <a:rPr lang="fr-FR" altLang="zh-CN" dirty="0" smtClean="0"/>
+                  <a:t>triangulaires </a:t>
                 </a:r>
                 <a14:m>
                   <m:oMath xmlns:m="http://schemas.openxmlformats.org/officeDocument/2006/math">
@@ -8224,7 +8233,7 @@
               <a:lstStyle/>
               <a:p>
                 <a:r>
-                  <a:rPr lang="en-GB">
+                  <a:rPr lang="en-US">
                     <a:noFill/>
                   </a:rPr>
                   <a:t> </a:t>
@@ -8306,8 +8315,8 @@
           </a:p>
         </p:txBody>
       </p:sp>
-      <mc:AlternateContent xmlns:mc="http://schemas.openxmlformats.org/markup-compatibility/2006">
-        <mc:Choice xmlns:a14="http://schemas.microsoft.com/office/drawing/2010/main" Requires="a14">
+      <mc:AlternateContent xmlns:mc="http://schemas.openxmlformats.org/markup-compatibility/2006" xmlns:a14="http://schemas.microsoft.com/office/drawing/2010/main">
+        <mc:Choice Requires="a14">
           <p:sp>
             <p:nvSpPr>
               <p:cNvPr id="3" name="内容占位符 2"/>
@@ -8423,7 +8432,7 @@
             </p:txBody>
           </p:sp>
         </mc:Choice>
-        <mc:Fallback>
+        <mc:Fallback xmlns="">
           <p:sp>
             <p:nvSpPr>
               <p:cNvPr id="3" name="内容占位符 2"/>
@@ -8824,8 +8833,8 @@
           </a:p>
         </p:txBody>
       </p:sp>
-      <mc:AlternateContent xmlns:mc="http://schemas.openxmlformats.org/markup-compatibility/2006">
-        <mc:Choice xmlns:a14="http://schemas.microsoft.com/office/drawing/2010/main" Requires="a14">
+      <mc:AlternateContent xmlns:mc="http://schemas.openxmlformats.org/markup-compatibility/2006" xmlns:a14="http://schemas.microsoft.com/office/drawing/2010/main">
+        <mc:Choice Requires="a14">
           <p:sp>
             <p:nvSpPr>
               <p:cNvPr id="3" name="内容占位符 2"/>
@@ -8952,7 +8961,7 @@
             </p:txBody>
           </p:sp>
         </mc:Choice>
-        <mc:Fallback>
+        <mc:Fallback xmlns="">
           <p:sp>
             <p:nvSpPr>
               <p:cNvPr id="3" name="内容占位符 2"/>
@@ -9046,8 +9055,8 @@
           </a:p>
         </p:txBody>
       </p:sp>
-      <mc:AlternateContent xmlns:mc="http://schemas.openxmlformats.org/markup-compatibility/2006">
-        <mc:Choice xmlns:a14="http://schemas.microsoft.com/office/drawing/2010/main" Requires="a14">
+      <mc:AlternateContent xmlns:mc="http://schemas.openxmlformats.org/markup-compatibility/2006" xmlns:a14="http://schemas.microsoft.com/office/drawing/2010/main">
+        <mc:Choice Requires="a14">
           <p:sp>
             <p:nvSpPr>
               <p:cNvPr id="3" name="Espace réservé du contenu 2"/>
@@ -10156,7 +10165,7 @@
             </p:txBody>
           </p:sp>
         </mc:Choice>
-        <mc:Fallback>
+        <mc:Fallback xmlns="">
           <p:sp>
             <p:nvSpPr>
               <p:cNvPr id="3" name="Espace réservé du contenu 2"/>
@@ -12082,7 +12091,15 @@
           <a:p>
             <a:r>
               <a:rPr lang="fr-FR" dirty="0" smtClean="0"/>
-              <a:t>Algorithme récursive sur les triangles</a:t>
+              <a:t>Algorithme </a:t>
+            </a:r>
+            <a:r>
+              <a:rPr lang="fr-FR" dirty="0" smtClean="0"/>
+              <a:t>récursif </a:t>
+            </a:r>
+            <a:r>
+              <a:rPr lang="fr-FR" dirty="0" smtClean="0"/>
+              <a:t>sur les triangles</a:t>
             </a:r>
           </a:p>
           <a:p>
@@ -14582,8 +14599,8 @@
           </a:p>
         </p:txBody>
       </p:sp>
-      <mc:AlternateContent xmlns:mc="http://schemas.openxmlformats.org/markup-compatibility/2006">
-        <mc:Choice xmlns:a14="http://schemas.microsoft.com/office/drawing/2010/main" Requires="a14">
+      <mc:AlternateContent xmlns:mc="http://schemas.openxmlformats.org/markup-compatibility/2006" xmlns:a14="http://schemas.microsoft.com/office/drawing/2010/main">
+        <mc:Choice Requires="a14">
           <p:sp>
             <p:nvSpPr>
               <p:cNvPr id="3" name="Espace réservé du contenu 2"/>
@@ -14907,7 +14924,7 @@
             </p:txBody>
           </p:sp>
         </mc:Choice>
-        <mc:Fallback>
+        <mc:Fallback xmlns="">
           <p:sp>
             <p:nvSpPr>
               <p:cNvPr id="3" name="Espace réservé du contenu 2"/>
@@ -15042,8 +15059,8 @@
           </a:p>
         </p:txBody>
       </p:sp>
-      <mc:AlternateContent xmlns:mc="http://schemas.openxmlformats.org/markup-compatibility/2006">
-        <mc:Choice xmlns:a14="http://schemas.microsoft.com/office/drawing/2010/main" Requires="a14">
+      <mc:AlternateContent xmlns:mc="http://schemas.openxmlformats.org/markup-compatibility/2006" xmlns:a14="http://schemas.microsoft.com/office/drawing/2010/main">
+        <mc:Choice Requires="a14">
           <p:sp>
             <p:nvSpPr>
               <p:cNvPr id="3" name="Espace réservé du contenu 2"/>
@@ -15562,7 +15579,7 @@
             </p:txBody>
           </p:sp>
         </mc:Choice>
-        <mc:Fallback>
+        <mc:Fallback xmlns="">
           <p:sp>
             <p:nvSpPr>
               <p:cNvPr id="3" name="Espace réservé du contenu 2"/>

--- a/report/Geodesics in Heat.pptx
+++ b/report/Geodesics in Heat.pptx
@@ -8,22 +8,26 @@
     <p:sldId id="256" r:id="rId2"/>
     <p:sldId id="267" r:id="rId3"/>
     <p:sldId id="274" r:id="rId4"/>
-    <p:sldId id="268" r:id="rId5"/>
-    <p:sldId id="269" r:id="rId6"/>
-    <p:sldId id="270" r:id="rId7"/>
-    <p:sldId id="271" r:id="rId8"/>
-    <p:sldId id="258" r:id="rId9"/>
-    <p:sldId id="259" r:id="rId10"/>
-    <p:sldId id="260" r:id="rId11"/>
-    <p:sldId id="276" r:id="rId12"/>
-    <p:sldId id="261" r:id="rId13"/>
-    <p:sldId id="262" r:id="rId14"/>
-    <p:sldId id="266" r:id="rId15"/>
-    <p:sldId id="272" r:id="rId16"/>
-    <p:sldId id="264" r:id="rId17"/>
-    <p:sldId id="265" r:id="rId18"/>
-    <p:sldId id="263" r:id="rId19"/>
-    <p:sldId id="277" r:id="rId20"/>
+    <p:sldId id="278" r:id="rId5"/>
+    <p:sldId id="268" r:id="rId6"/>
+    <p:sldId id="269" r:id="rId7"/>
+    <p:sldId id="270" r:id="rId8"/>
+    <p:sldId id="271" r:id="rId9"/>
+    <p:sldId id="279" r:id="rId10"/>
+    <p:sldId id="258" r:id="rId11"/>
+    <p:sldId id="259" r:id="rId12"/>
+    <p:sldId id="280" r:id="rId13"/>
+    <p:sldId id="260" r:id="rId14"/>
+    <p:sldId id="276" r:id="rId15"/>
+    <p:sldId id="261" r:id="rId16"/>
+    <p:sldId id="262" r:id="rId17"/>
+    <p:sldId id="266" r:id="rId18"/>
+    <p:sldId id="272" r:id="rId19"/>
+    <p:sldId id="281" r:id="rId20"/>
+    <p:sldId id="264" r:id="rId21"/>
+    <p:sldId id="265" r:id="rId22"/>
+    <p:sldId id="263" r:id="rId23"/>
+    <p:sldId id="277" r:id="rId24"/>
   </p:sldIdLst>
   <p:sldSz cx="12192000" cy="6858000"/>
   <p:notesSz cx="6858000" cy="9144000"/>
@@ -405,7 +409,7 @@
             <a:fld id="{B61BEF0D-F0BB-DE4B-95CE-6DB70DBA9567}" type="datetimeFigureOut">
               <a:rPr lang="en-US" smtClean="0"/>
               <a:pPr/>
-              <a:t>11/29/2015</a:t>
+              <a:t>11/30/2015</a:t>
             </a:fld>
             <a:endParaRPr lang="en-US" dirty="0"/>
           </a:p>
@@ -453,7 +457,7 @@
             <a:fld id="{D57F1E4F-1CFF-5643-939E-217C01CDF565}" type="slidenum">
               <a:rPr lang="en-US" smtClean="0"/>
               <a:pPr/>
-              <a:t>‹N°›</a:t>
+              <a:t>‹#›</a:t>
             </a:fld>
             <a:endParaRPr lang="en-US" dirty="0"/>
           </a:p>
@@ -821,7 +825,7 @@
             <a:fld id="{B61BEF0D-F0BB-DE4B-95CE-6DB70DBA9567}" type="datetimeFigureOut">
               <a:rPr lang="en-US" smtClean="0"/>
               <a:pPr/>
-              <a:t>11/29/2015</a:t>
+              <a:t>11/30/2015</a:t>
             </a:fld>
             <a:endParaRPr lang="en-US" dirty="0"/>
           </a:p>
@@ -869,7 +873,7 @@
             <a:fld id="{D57F1E4F-1CFF-5643-939E-217C01CDF565}" type="slidenum">
               <a:rPr lang="en-US" smtClean="0"/>
               <a:pPr/>
-              <a:t>‹N°›</a:t>
+              <a:t>‹#›</a:t>
             </a:fld>
             <a:endParaRPr lang="en-US" dirty="0"/>
           </a:p>
@@ -1159,7 +1163,7 @@
             <a:fld id="{B61BEF0D-F0BB-DE4B-95CE-6DB70DBA9567}" type="datetimeFigureOut">
               <a:rPr lang="en-US" smtClean="0"/>
               <a:pPr/>
-              <a:t>11/29/2015</a:t>
+              <a:t>11/30/2015</a:t>
             </a:fld>
             <a:endParaRPr lang="en-US" dirty="0"/>
           </a:p>
@@ -1207,7 +1211,7 @@
             <a:fld id="{D57F1E4F-1CFF-5643-939E-217C01CDF565}" type="slidenum">
               <a:rPr lang="en-US" smtClean="0"/>
               <a:pPr/>
-              <a:t>‹N°›</a:t>
+              <a:t>‹#›</a:t>
             </a:fld>
             <a:endParaRPr lang="en-US" dirty="0"/>
           </a:p>
@@ -1566,7 +1570,7 @@
             <a:fld id="{B61BEF0D-F0BB-DE4B-95CE-6DB70DBA9567}" type="datetimeFigureOut">
               <a:rPr lang="en-US" smtClean="0"/>
               <a:pPr/>
-              <a:t>11/29/2015</a:t>
+              <a:t>11/30/2015</a:t>
             </a:fld>
             <a:endParaRPr lang="en-US" dirty="0"/>
           </a:p>
@@ -1614,7 +1618,7 @@
             <a:fld id="{D57F1E4F-1CFF-5643-939E-217C01CDF565}" type="slidenum">
               <a:rPr lang="en-US" smtClean="0"/>
               <a:pPr/>
-              <a:t>‹N°›</a:t>
+              <a:t>‹#›</a:t>
             </a:fld>
             <a:endParaRPr lang="en-US" dirty="0"/>
           </a:p>
@@ -2136,7 +2140,7 @@
             <a:fld id="{B61BEF0D-F0BB-DE4B-95CE-6DB70DBA9567}" type="datetimeFigureOut">
               <a:rPr lang="en-US" smtClean="0"/>
               <a:pPr/>
-              <a:t>11/29/2015</a:t>
+              <a:t>11/30/2015</a:t>
             </a:fld>
             <a:endParaRPr lang="en-US" dirty="0"/>
           </a:p>
@@ -2184,7 +2188,7 @@
             <a:fld id="{D57F1E4F-1CFF-5643-939E-217C01CDF565}" type="slidenum">
               <a:rPr lang="en-US" smtClean="0"/>
               <a:pPr/>
-              <a:t>‹N°›</a:t>
+              <a:t>‹#›</a:t>
             </a:fld>
             <a:endParaRPr lang="en-US" dirty="0"/>
           </a:p>
@@ -2819,7 +2823,7 @@
             <a:fld id="{B61BEF0D-F0BB-DE4B-95CE-6DB70DBA9567}" type="datetimeFigureOut">
               <a:rPr lang="en-US" smtClean="0"/>
               <a:pPr/>
-              <a:t>11/29/2015</a:t>
+              <a:t>11/30/2015</a:t>
             </a:fld>
             <a:endParaRPr lang="en-US" dirty="0"/>
           </a:p>
@@ -2862,7 +2866,7 @@
             <a:fld id="{D57F1E4F-1CFF-5643-939E-217C01CDF565}" type="slidenum">
               <a:rPr lang="en-US" smtClean="0"/>
               <a:pPr/>
-              <a:t>‹N°›</a:t>
+              <a:t>‹#›</a:t>
             </a:fld>
             <a:endParaRPr lang="en-US" dirty="0"/>
           </a:p>
@@ -3734,7 +3738,7 @@
             <a:fld id="{B61BEF0D-F0BB-DE4B-95CE-6DB70DBA9567}" type="datetimeFigureOut">
               <a:rPr lang="en-US" smtClean="0"/>
               <a:pPr/>
-              <a:t>11/29/2015</a:t>
+              <a:t>11/30/2015</a:t>
             </a:fld>
             <a:endParaRPr lang="en-US" dirty="0"/>
           </a:p>
@@ -3777,7 +3781,7 @@
             <a:fld id="{D57F1E4F-1CFF-5643-939E-217C01CDF565}" type="slidenum">
               <a:rPr lang="en-US" smtClean="0"/>
               <a:pPr/>
-              <a:t>‹N°›</a:t>
+              <a:t>‹#›</a:t>
             </a:fld>
             <a:endParaRPr lang="en-US" dirty="0"/>
           </a:p>
@@ -4049,7 +4053,7 @@
             <a:fld id="{B61BEF0D-F0BB-DE4B-95CE-6DB70DBA9567}" type="datetimeFigureOut">
               <a:rPr lang="en-US" smtClean="0"/>
               <a:pPr/>
-              <a:t>11/29/2015</a:t>
+              <a:t>11/30/2015</a:t>
             </a:fld>
             <a:endParaRPr lang="en-US" dirty="0"/>
           </a:p>
@@ -4092,7 +4096,7 @@
             <a:fld id="{D57F1E4F-1CFF-5643-939E-217C01CDF565}" type="slidenum">
               <a:rPr lang="en-US" smtClean="0"/>
               <a:pPr/>
-              <a:t>‹N°›</a:t>
+              <a:t>‹#›</a:t>
             </a:fld>
             <a:endParaRPr lang="en-US" dirty="0"/>
           </a:p>
@@ -4315,7 +4319,7 @@
             <a:fld id="{B61BEF0D-F0BB-DE4B-95CE-6DB70DBA9567}" type="datetimeFigureOut">
               <a:rPr lang="en-US" smtClean="0"/>
               <a:pPr/>
-              <a:t>11/29/2015</a:t>
+              <a:t>11/30/2015</a:t>
             </a:fld>
             <a:endParaRPr lang="en-US" dirty="0"/>
           </a:p>
@@ -4372,7 +4376,7 @@
             <a:fld id="{D57F1E4F-1CFF-5643-939E-217C01CDF565}" type="slidenum">
               <a:rPr lang="en-US" smtClean="0"/>
               <a:pPr/>
-              <a:t>‹N°›</a:t>
+              <a:t>‹#›</a:t>
             </a:fld>
             <a:endParaRPr lang="en-US" dirty="0"/>
           </a:p>
@@ -4640,7 +4644,7 @@
             <a:fld id="{B61BEF0D-F0BB-DE4B-95CE-6DB70DBA9567}" type="datetimeFigureOut">
               <a:rPr lang="en-US" smtClean="0"/>
               <a:pPr/>
-              <a:t>11/29/2015</a:t>
+              <a:t>11/30/2015</a:t>
             </a:fld>
             <a:endParaRPr lang="en-US" dirty="0"/>
           </a:p>
@@ -4683,7 +4687,7 @@
             <a:fld id="{D57F1E4F-1CFF-5643-939E-217C01CDF565}" type="slidenum">
               <a:rPr lang="en-US" smtClean="0"/>
               <a:pPr/>
-              <a:t>‹N°›</a:t>
+              <a:t>‹#›</a:t>
             </a:fld>
             <a:endParaRPr lang="en-US" dirty="0"/>
           </a:p>
@@ -5031,7 +5035,7 @@
             <a:fld id="{B61BEF0D-F0BB-DE4B-95CE-6DB70DBA9567}" type="datetimeFigureOut">
               <a:rPr lang="en-US" smtClean="0"/>
               <a:pPr/>
-              <a:t>11/29/2015</a:t>
+              <a:t>11/30/2015</a:t>
             </a:fld>
             <a:endParaRPr lang="en-US" dirty="0"/>
           </a:p>
@@ -5079,7 +5083,7 @@
             <a:fld id="{D57F1E4F-1CFF-5643-939E-217C01CDF565}" type="slidenum">
               <a:rPr lang="en-US" smtClean="0"/>
               <a:pPr/>
-              <a:t>‹N°›</a:t>
+              <a:t>‹#›</a:t>
             </a:fld>
             <a:endParaRPr lang="en-US" dirty="0"/>
           </a:p>
@@ -5409,7 +5413,7 @@
             <a:fld id="{B61BEF0D-F0BB-DE4B-95CE-6DB70DBA9567}" type="datetimeFigureOut">
               <a:rPr lang="en-US" smtClean="0"/>
               <a:pPr/>
-              <a:t>11/29/2015</a:t>
+              <a:t>11/30/2015</a:t>
             </a:fld>
             <a:endParaRPr lang="en-US" dirty="0"/>
           </a:p>
@@ -5452,7 +5456,7 @@
             <a:fld id="{D57F1E4F-1CFF-5643-939E-217C01CDF565}" type="slidenum">
               <a:rPr lang="en-US" smtClean="0"/>
               <a:pPr/>
-              <a:t>‹N°›</a:t>
+              <a:t>‹#›</a:t>
             </a:fld>
             <a:endParaRPr lang="en-US" dirty="0"/>
           </a:p>
@@ -5917,7 +5921,7 @@
             <a:fld id="{B61BEF0D-F0BB-DE4B-95CE-6DB70DBA9567}" type="datetimeFigureOut">
               <a:rPr lang="en-US" smtClean="0"/>
               <a:pPr/>
-              <a:t>11/29/2015</a:t>
+              <a:t>11/30/2015</a:t>
             </a:fld>
             <a:endParaRPr lang="en-US" dirty="0"/>
           </a:p>
@@ -5960,7 +5964,7 @@
             <a:fld id="{D57F1E4F-1CFF-5643-939E-217C01CDF565}" type="slidenum">
               <a:rPr lang="en-US" smtClean="0"/>
               <a:pPr/>
-              <a:t>‹N°›</a:t>
+              <a:t>‹#›</a:t>
             </a:fld>
             <a:endParaRPr lang="en-US" dirty="0"/>
           </a:p>
@@ -6176,7 +6180,7 @@
             <a:fld id="{B61BEF0D-F0BB-DE4B-95CE-6DB70DBA9567}" type="datetimeFigureOut">
               <a:rPr lang="en-US" smtClean="0"/>
               <a:pPr/>
-              <a:t>11/29/2015</a:t>
+              <a:t>11/30/2015</a:t>
             </a:fld>
             <a:endParaRPr lang="en-US" dirty="0"/>
           </a:p>
@@ -6219,7 +6223,7 @@
             <a:fld id="{D57F1E4F-1CFF-5643-939E-217C01CDF565}" type="slidenum">
               <a:rPr lang="en-US" smtClean="0"/>
               <a:pPr/>
-              <a:t>‹N°›</a:t>
+              <a:t>‹#›</a:t>
             </a:fld>
             <a:endParaRPr lang="en-US" dirty="0"/>
           </a:p>
@@ -6341,7 +6345,7 @@
             <a:fld id="{B61BEF0D-F0BB-DE4B-95CE-6DB70DBA9567}" type="datetimeFigureOut">
               <a:rPr lang="en-US" smtClean="0"/>
               <a:pPr/>
-              <a:t>11/29/2015</a:t>
+              <a:t>11/30/2015</a:t>
             </a:fld>
             <a:endParaRPr lang="en-US" dirty="0"/>
           </a:p>
@@ -6384,7 +6388,7 @@
             <a:fld id="{D57F1E4F-1CFF-5643-939E-217C01CDF565}" type="slidenum">
               <a:rPr lang="en-US" smtClean="0"/>
               <a:pPr/>
-              <a:t>‹N°›</a:t>
+              <a:t>‹#›</a:t>
             </a:fld>
             <a:endParaRPr lang="en-US" dirty="0"/>
           </a:p>
@@ -6733,7 +6737,7 @@
             <a:fld id="{B61BEF0D-F0BB-DE4B-95CE-6DB70DBA9567}" type="datetimeFigureOut">
               <a:rPr lang="en-US" smtClean="0"/>
               <a:pPr/>
-              <a:t>11/29/2015</a:t>
+              <a:t>11/30/2015</a:t>
             </a:fld>
             <a:endParaRPr lang="en-US" dirty="0"/>
           </a:p>
@@ -6776,7 +6780,7 @@
             <a:fld id="{D57F1E4F-1CFF-5643-939E-217C01CDF565}" type="slidenum">
               <a:rPr lang="en-US" smtClean="0"/>
               <a:pPr/>
-              <a:t>‹N°›</a:t>
+              <a:t>‹#›</a:t>
             </a:fld>
             <a:endParaRPr lang="en-US" dirty="0"/>
           </a:p>
@@ -7144,7 +7148,7 @@
             <a:fld id="{B61BEF0D-F0BB-DE4B-95CE-6DB70DBA9567}" type="datetimeFigureOut">
               <a:rPr lang="en-US" smtClean="0"/>
               <a:pPr/>
-              <a:t>11/29/2015</a:t>
+              <a:t>11/30/2015</a:t>
             </a:fld>
             <a:endParaRPr lang="en-US" dirty="0"/>
           </a:p>
@@ -7187,7 +7191,7 @@
             <a:fld id="{D57F1E4F-1CFF-5643-939E-217C01CDF565}" type="slidenum">
               <a:rPr lang="en-US" smtClean="0"/>
               <a:pPr/>
-              <a:t>‹N°›</a:t>
+              <a:t>‹#›</a:t>
             </a:fld>
             <a:endParaRPr lang="en-US" dirty="0"/>
           </a:p>
@@ -7390,7 +7394,7 @@
             <a:fld id="{B61BEF0D-F0BB-DE4B-95CE-6DB70DBA9567}" type="datetimeFigureOut">
               <a:rPr lang="en-US" smtClean="0"/>
               <a:pPr/>
-              <a:t>11/29/2015</a:t>
+              <a:t>11/30/2015</a:t>
             </a:fld>
             <a:endParaRPr lang="en-US" dirty="0"/>
           </a:p>
@@ -7469,7 +7473,7 @@
             <a:fld id="{D57F1E4F-1CFF-5643-939E-217C01CDF565}" type="slidenum">
               <a:rPr lang="en-US" smtClean="0"/>
               <a:pPr/>
-              <a:t>‹N°›</a:t>
+              <a:t>‹#›</a:t>
             </a:fld>
             <a:endParaRPr lang="en-US" dirty="0"/>
           </a:p>
@@ -7902,6 +7906,306 @@
           <a:p>
             <a:r>
               <a:rPr lang="fr-FR" dirty="0" smtClean="0"/>
+              <a:t>Implémentation - Environnement</a:t>
+            </a:r>
+            <a:endParaRPr lang="en-GB" dirty="0"/>
+          </a:p>
+        </p:txBody>
+      </p:sp>
+      <p:sp>
+        <p:nvSpPr>
+          <p:cNvPr id="3" name="内容占位符 2"/>
+          <p:cNvSpPr>
+            <a:spLocks noGrp="1"/>
+          </p:cNvSpPr>
+          <p:nvPr>
+            <p:ph idx="1"/>
+          </p:nvPr>
+        </p:nvSpPr>
+        <p:spPr/>
+        <p:txBody>
+          <a:bodyPr/>
+          <a:lstStyle/>
+          <a:p>
+            <a:r>
+              <a:rPr lang="fr-FR" dirty="0" err="1" smtClean="0"/>
+              <a:t>Unity</a:t>
+            </a:r>
+            <a:r>
+              <a:rPr lang="fr-FR" dirty="0" smtClean="0"/>
+              <a:t> C#</a:t>
+            </a:r>
+          </a:p>
+          <a:p>
+            <a:endParaRPr lang="fr-FR" dirty="0"/>
+          </a:p>
+          <a:p>
+            <a:r>
+              <a:rPr lang="fr-FR" dirty="0" smtClean="0"/>
+              <a:t>ALGLIB</a:t>
+            </a:r>
+          </a:p>
+          <a:p>
+            <a:endParaRPr lang="fr-FR" dirty="0"/>
+          </a:p>
+          <a:p>
+            <a:endParaRPr lang="en-GB" dirty="0"/>
+          </a:p>
+        </p:txBody>
+      </p:sp>
+    </p:spTree>
+    <p:extLst>
+      <p:ext uri="{BB962C8B-B14F-4D97-AF65-F5344CB8AC3E}">
+        <p14:creationId xmlns:p14="http://schemas.microsoft.com/office/powerpoint/2010/main" val="2081980908"/>
+      </p:ext>
+    </p:extLst>
+  </p:cSld>
+  <p:clrMapOvr>
+    <a:masterClrMapping/>
+  </p:clrMapOvr>
+  <p:timing>
+    <p:tnLst>
+      <p:par>
+        <p:cTn id="1" dur="indefinite" restart="never" nodeType="tmRoot"/>
+      </p:par>
+    </p:tnLst>
+  </p:timing>
+</p:sld>
+</file>
+
+<file path=ppt/slides/slide11.xml><?xml version="1.0" encoding="utf-8"?>
+<p:sld xmlns:a="http://schemas.openxmlformats.org/drawingml/2006/main" xmlns:r="http://schemas.openxmlformats.org/officeDocument/2006/relationships" xmlns:p="http://schemas.openxmlformats.org/presentationml/2006/main">
+  <p:cSld>
+    <p:spTree>
+      <p:nvGrpSpPr>
+        <p:cNvPr id="1" name=""/>
+        <p:cNvGrpSpPr/>
+        <p:nvPr/>
+      </p:nvGrpSpPr>
+      <p:grpSpPr>
+        <a:xfrm>
+          <a:off x="0" y="0"/>
+          <a:ext cx="0" cy="0"/>
+          <a:chOff x="0" y="0"/>
+          <a:chExt cx="0" cy="0"/>
+        </a:xfrm>
+      </p:grpSpPr>
+      <p:sp>
+        <p:nvSpPr>
+          <p:cNvPr id="2" name="标题 1"/>
+          <p:cNvSpPr>
+            <a:spLocks noGrp="1"/>
+          </p:cNvSpPr>
+          <p:nvPr>
+            <p:ph type="title"/>
+          </p:nvPr>
+        </p:nvSpPr>
+        <p:spPr/>
+        <p:txBody>
+          <a:bodyPr/>
+          <a:lstStyle/>
+          <a:p>
+            <a:r>
+              <a:rPr lang="fr-FR" dirty="0" smtClean="0"/>
+              <a:t>Implémentation</a:t>
+            </a:r>
+            <a:endParaRPr lang="en-GB" dirty="0"/>
+          </a:p>
+        </p:txBody>
+      </p:sp>
+      <p:sp>
+        <p:nvSpPr>
+          <p:cNvPr id="3" name="内容占位符 2"/>
+          <p:cNvSpPr>
+            <a:spLocks noGrp="1"/>
+          </p:cNvSpPr>
+          <p:nvPr>
+            <p:ph idx="1"/>
+          </p:nvPr>
+        </p:nvSpPr>
+        <p:spPr/>
+        <p:txBody>
+          <a:bodyPr/>
+          <a:lstStyle/>
+          <a:p>
+            <a:r>
+              <a:rPr lang="fr-FR" dirty="0" smtClean="0"/>
+              <a:t>Conversion de </a:t>
+            </a:r>
+            <a:r>
+              <a:rPr lang="fr-FR" dirty="0" err="1" smtClean="0"/>
+              <a:t>mesh</a:t>
+            </a:r>
+            <a:endParaRPr lang="fr-FR" dirty="0" smtClean="0"/>
+          </a:p>
+          <a:p>
+            <a:endParaRPr lang="fr-FR" dirty="0"/>
+          </a:p>
+          <a:p>
+            <a:r>
+              <a:rPr lang="fr-FR" dirty="0" err="1" smtClean="0"/>
+              <a:t>Précalculs</a:t>
+            </a:r>
+            <a:endParaRPr lang="fr-FR" dirty="0" smtClean="0"/>
+          </a:p>
+          <a:p>
+            <a:endParaRPr lang="fr-FR" dirty="0"/>
+          </a:p>
+          <a:p>
+            <a:r>
+              <a:rPr lang="fr-FR" dirty="0" smtClean="0"/>
+              <a:t>Résolution des équations</a:t>
+            </a:r>
+          </a:p>
+          <a:p>
+            <a:endParaRPr lang="fr-FR" dirty="0"/>
+          </a:p>
+          <a:p>
+            <a:r>
+              <a:rPr lang="fr-FR" dirty="0" smtClean="0"/>
+              <a:t>Texture </a:t>
+            </a:r>
+            <a:r>
+              <a:rPr lang="fr-FR" dirty="0" err="1"/>
+              <a:t>m</a:t>
+            </a:r>
+            <a:r>
+              <a:rPr lang="fr-FR" dirty="0" err="1" smtClean="0"/>
+              <a:t>apping</a:t>
+            </a:r>
+            <a:r>
+              <a:rPr lang="fr-FR" dirty="0" smtClean="0"/>
+              <a:t> / Navigation</a:t>
+            </a:r>
+            <a:endParaRPr lang="en-GB" dirty="0"/>
+          </a:p>
+        </p:txBody>
+      </p:sp>
+    </p:spTree>
+    <p:extLst>
+      <p:ext uri="{BB962C8B-B14F-4D97-AF65-F5344CB8AC3E}">
+        <p14:creationId xmlns:p14="http://schemas.microsoft.com/office/powerpoint/2010/main" val="3419856860"/>
+      </p:ext>
+    </p:extLst>
+  </p:cSld>
+  <p:clrMapOvr>
+    <a:masterClrMapping/>
+  </p:clrMapOvr>
+  <p:timing>
+    <p:tnLst>
+      <p:par>
+        <p:cTn id="1" dur="indefinite" restart="never" nodeType="tmRoot"/>
+      </p:par>
+    </p:tnLst>
+  </p:timing>
+</p:sld>
+</file>
+
+<file path=ppt/slides/slide12.xml><?xml version="1.0" encoding="utf-8"?>
+<p:sld xmlns:a="http://schemas.openxmlformats.org/drawingml/2006/main" xmlns:r="http://schemas.openxmlformats.org/officeDocument/2006/relationships" xmlns:p="http://schemas.openxmlformats.org/presentationml/2006/main">
+  <p:cSld>
+    <p:spTree>
+      <p:nvGrpSpPr>
+        <p:cNvPr id="1" name=""/>
+        <p:cNvGrpSpPr/>
+        <p:nvPr/>
+      </p:nvGrpSpPr>
+      <p:grpSpPr>
+        <a:xfrm>
+          <a:off x="0" y="0"/>
+          <a:ext cx="0" cy="0"/>
+          <a:chOff x="0" y="0"/>
+          <a:chExt cx="0" cy="0"/>
+        </a:xfrm>
+      </p:grpSpPr>
+      <p:sp>
+        <p:nvSpPr>
+          <p:cNvPr id="4" name="标题 3"/>
+          <p:cNvSpPr>
+            <a:spLocks noGrp="1"/>
+          </p:cNvSpPr>
+          <p:nvPr>
+            <p:ph type="title"/>
+          </p:nvPr>
+        </p:nvSpPr>
+        <p:spPr/>
+        <p:txBody>
+          <a:bodyPr/>
+          <a:lstStyle/>
+          <a:p>
+            <a:r>
+              <a:rPr lang="fr-FR" altLang="zh-CN" dirty="0"/>
+              <a:t>III. Optimisation &amp; Généralisation</a:t>
+            </a:r>
+          </a:p>
+        </p:txBody>
+      </p:sp>
+      <p:sp>
+        <p:nvSpPr>
+          <p:cNvPr id="5" name="文本占位符 4"/>
+          <p:cNvSpPr>
+            <a:spLocks noGrp="1"/>
+          </p:cNvSpPr>
+          <p:nvPr>
+            <p:ph type="body" idx="1"/>
+          </p:nvPr>
+        </p:nvSpPr>
+        <p:spPr/>
+        <p:txBody>
+          <a:bodyPr/>
+          <a:lstStyle/>
+          <a:p>
+            <a:endParaRPr lang="en-GB"/>
+          </a:p>
+        </p:txBody>
+      </p:sp>
+    </p:spTree>
+    <p:extLst>
+      <p:ext uri="{BB962C8B-B14F-4D97-AF65-F5344CB8AC3E}">
+        <p14:creationId xmlns:p14="http://schemas.microsoft.com/office/powerpoint/2010/main" val="3285684140"/>
+      </p:ext>
+    </p:extLst>
+  </p:cSld>
+  <p:clrMapOvr>
+    <a:masterClrMapping/>
+  </p:clrMapOvr>
+</p:sld>
+</file>
+
+<file path=ppt/slides/slide13.xml><?xml version="1.0" encoding="utf-8"?>
+<p:sld xmlns:a="http://schemas.openxmlformats.org/drawingml/2006/main" xmlns:r="http://schemas.openxmlformats.org/officeDocument/2006/relationships" xmlns:p="http://schemas.openxmlformats.org/presentationml/2006/main">
+  <p:cSld>
+    <p:spTree>
+      <p:nvGrpSpPr>
+        <p:cNvPr id="1" name=""/>
+        <p:cNvGrpSpPr/>
+        <p:nvPr/>
+      </p:nvGrpSpPr>
+      <p:grpSpPr>
+        <a:xfrm>
+          <a:off x="0" y="0"/>
+          <a:ext cx="0" cy="0"/>
+          <a:chOff x="0" y="0"/>
+          <a:chExt cx="0" cy="0"/>
+        </a:xfrm>
+      </p:grpSpPr>
+      <p:sp>
+        <p:nvSpPr>
+          <p:cNvPr id="2" name="标题 1"/>
+          <p:cNvSpPr>
+            <a:spLocks noGrp="1"/>
+          </p:cNvSpPr>
+          <p:nvPr>
+            <p:ph type="title"/>
+          </p:nvPr>
+        </p:nvSpPr>
+        <p:spPr/>
+        <p:txBody>
+          <a:bodyPr/>
+          <a:lstStyle/>
+          <a:p>
+            <a:r>
+              <a:rPr lang="fr-FR" dirty="0" smtClean="0"/>
               <a:t>Décomposition de </a:t>
             </a:r>
             <a:r>
@@ -7920,8 +8224,8 @@
           </a:p>
         </p:txBody>
       </p:sp>
-      <mc:AlternateContent xmlns:mc="http://schemas.openxmlformats.org/markup-compatibility/2006">
-        <mc:Choice xmlns:a14="http://schemas.microsoft.com/office/drawing/2010/main" Requires="a14">
+      <mc:AlternateContent xmlns:mc="http://schemas.openxmlformats.org/markup-compatibility/2006" xmlns:a14="http://schemas.microsoft.com/office/drawing/2010/main">
+        <mc:Choice Requires="a14">
           <p:sp>
             <p:nvSpPr>
               <p:cNvPr id="3" name="内容占位符 2"/>
@@ -8093,11 +8397,7 @@
                 <a:pPr lvl="1"/>
                 <a:r>
                   <a:rPr lang="fr-FR" altLang="zh-CN" dirty="0" smtClean="0"/>
-                  <a:t>Résolution de 2 systèmes </a:t>
-                </a:r>
-                <a:r>
-                  <a:rPr lang="fr-FR" altLang="zh-CN" dirty="0" smtClean="0"/>
-                  <a:t>triangulaires </a:t>
+                  <a:t>Résolution de 2 systèmes triangulaires </a:t>
                 </a:r>
                 <a14:m>
                   <m:oMath xmlns:m="http://schemas.openxmlformats.org/officeDocument/2006/math">
@@ -8205,7 +8505,7 @@
             </p:txBody>
           </p:sp>
         </mc:Choice>
-        <mc:Fallback>
+        <mc:Fallback xmlns="">
           <p:sp>
             <p:nvSpPr>
               <p:cNvPr id="3" name="内容占位符 2"/>
@@ -8263,7 +8563,7 @@
 </p:sld>
 </file>
 
-<file path=ppt/slides/slide11.xml><?xml version="1.0" encoding="utf-8"?>
+<file path=ppt/slides/slide14.xml><?xml version="1.0" encoding="utf-8"?>
 <p:sld xmlns:a="http://schemas.openxmlformats.org/drawingml/2006/main" xmlns:r="http://schemas.openxmlformats.org/officeDocument/2006/relationships" xmlns:p="http://schemas.openxmlformats.org/presentationml/2006/main">
   <p:cSld>
     <p:spTree>
@@ -8486,7 +8786,7 @@
 </p:sld>
 </file>
 
-<file path=ppt/slides/slide12.xml><?xml version="1.0" encoding="utf-8"?>
+<file path=ppt/slides/slide15.xml><?xml version="1.0" encoding="utf-8"?>
 <p:sld xmlns:a="http://schemas.openxmlformats.org/drawingml/2006/main" xmlns:r="http://schemas.openxmlformats.org/officeDocument/2006/relationships" xmlns:p="http://schemas.openxmlformats.org/presentationml/2006/main">
   <p:cSld>
     <p:spTree>
@@ -8636,7 +8936,7 @@
 </p:sld>
 </file>
 
-<file path=ppt/slides/slide13.xml><?xml version="1.0" encoding="utf-8"?>
+<file path=ppt/slides/slide16.xml><?xml version="1.0" encoding="utf-8"?>
 <p:sld xmlns:a="http://schemas.openxmlformats.org/drawingml/2006/main" xmlns:r="http://schemas.openxmlformats.org/officeDocument/2006/relationships" xmlns:p="http://schemas.openxmlformats.org/presentationml/2006/main">
   <p:cSld>
     <p:spTree>
@@ -8793,7 +9093,7 @@
 </p:sld>
 </file>
 
-<file path=ppt/slides/slide14.xml><?xml version="1.0" encoding="utf-8"?>
+<file path=ppt/slides/slide17.xml><?xml version="1.0" encoding="utf-8"?>
 <p:sld xmlns:a="http://schemas.openxmlformats.org/drawingml/2006/main" xmlns:r="http://schemas.openxmlformats.org/officeDocument/2006/relationships" xmlns:p="http://schemas.openxmlformats.org/presentationml/2006/main">
   <p:cSld>
     <p:spTree>
@@ -9015,7 +9315,7 @@
 </p:sld>
 </file>
 
-<file path=ppt/slides/slide15.xml><?xml version="1.0" encoding="utf-8"?>
+<file path=ppt/slides/slide18.xml><?xml version="1.0" encoding="utf-8"?>
 <p:sld xmlns:a="http://schemas.openxmlformats.org/drawingml/2006/main" xmlns:r="http://schemas.openxmlformats.org/officeDocument/2006/relationships" xmlns:p="http://schemas.openxmlformats.org/presentationml/2006/main">
   <p:cSld>
     <p:spTree>
@@ -12000,7 +12300,7 @@
 </p:sld>
 </file>
 
-<file path=ppt/slides/slide16.xml><?xml version="1.0" encoding="utf-8"?>
+<file path=ppt/slides/slide19.xml><?xml version="1.0" encoding="utf-8"?>
 <p:sld xmlns:a="http://schemas.openxmlformats.org/drawingml/2006/main" xmlns:r="http://schemas.openxmlformats.org/officeDocument/2006/relationships" xmlns:p="http://schemas.openxmlformats.org/presentationml/2006/main">
   <p:cSld>
     <p:spTree>
@@ -12019,6 +12319,186 @@
       </p:grpSpPr>
       <p:sp>
         <p:nvSpPr>
+          <p:cNvPr id="4" name="标题 3"/>
+          <p:cNvSpPr>
+            <a:spLocks noGrp="1"/>
+          </p:cNvSpPr>
+          <p:nvPr>
+            <p:ph type="title"/>
+          </p:nvPr>
+        </p:nvSpPr>
+        <p:spPr/>
+        <p:txBody>
+          <a:bodyPr/>
+          <a:lstStyle/>
+          <a:p>
+            <a:r>
+              <a:rPr lang="fr-FR" altLang="zh-CN" dirty="0"/>
+              <a:t>IV. Travail Supplémentaire</a:t>
+            </a:r>
+          </a:p>
+        </p:txBody>
+      </p:sp>
+      <p:sp>
+        <p:nvSpPr>
+          <p:cNvPr id="5" name="文本占位符 4"/>
+          <p:cNvSpPr>
+            <a:spLocks noGrp="1"/>
+          </p:cNvSpPr>
+          <p:nvPr>
+            <p:ph type="body" idx="1"/>
+          </p:nvPr>
+        </p:nvSpPr>
+        <p:spPr/>
+        <p:txBody>
+          <a:bodyPr/>
+          <a:lstStyle/>
+          <a:p>
+            <a:endParaRPr lang="en-GB"/>
+          </a:p>
+        </p:txBody>
+      </p:sp>
+    </p:spTree>
+    <p:extLst>
+      <p:ext uri="{BB962C8B-B14F-4D97-AF65-F5344CB8AC3E}">
+        <p14:creationId xmlns:p14="http://schemas.microsoft.com/office/powerpoint/2010/main" val="3933433376"/>
+      </p:ext>
+    </p:extLst>
+  </p:cSld>
+  <p:clrMapOvr>
+    <a:masterClrMapping/>
+  </p:clrMapOvr>
+</p:sld>
+</file>
+
+<file path=ppt/slides/slide2.xml><?xml version="1.0" encoding="utf-8"?>
+<p:sld xmlns:a="http://schemas.openxmlformats.org/drawingml/2006/main" xmlns:r="http://schemas.openxmlformats.org/officeDocument/2006/relationships" xmlns:p="http://schemas.openxmlformats.org/presentationml/2006/main">
+  <p:cSld>
+    <p:spTree>
+      <p:nvGrpSpPr>
+        <p:cNvPr id="1" name=""/>
+        <p:cNvGrpSpPr/>
+        <p:nvPr/>
+      </p:nvGrpSpPr>
+      <p:grpSpPr>
+        <a:xfrm>
+          <a:off x="0" y="0"/>
+          <a:ext cx="0" cy="0"/>
+          <a:chOff x="0" y="0"/>
+          <a:chExt cx="0" cy="0"/>
+        </a:xfrm>
+      </p:grpSpPr>
+      <p:sp>
+        <p:nvSpPr>
+          <p:cNvPr id="2" name="Titre 1"/>
+          <p:cNvSpPr>
+            <a:spLocks noGrp="1"/>
+          </p:cNvSpPr>
+          <p:nvPr>
+            <p:ph type="title"/>
+          </p:nvPr>
+        </p:nvSpPr>
+        <p:spPr/>
+        <p:txBody>
+          <a:bodyPr/>
+          <a:lstStyle/>
+          <a:p>
+            <a:r>
+              <a:rPr lang="fr-FR" dirty="0" smtClean="0"/>
+              <a:t>Introduction</a:t>
+            </a:r>
+            <a:endParaRPr lang="en-US" dirty="0"/>
+          </a:p>
+        </p:txBody>
+      </p:sp>
+      <p:sp>
+        <p:nvSpPr>
+          <p:cNvPr id="3" name="Espace réservé du contenu 2"/>
+          <p:cNvSpPr>
+            <a:spLocks noGrp="1"/>
+          </p:cNvSpPr>
+          <p:nvPr>
+            <p:ph idx="1"/>
+          </p:nvPr>
+        </p:nvSpPr>
+        <p:spPr/>
+        <p:txBody>
+          <a:bodyPr/>
+          <a:lstStyle/>
+          <a:p>
+            <a:r>
+              <a:rPr lang="fr-FR" dirty="0" smtClean="0"/>
+              <a:t>Objectif : Chercher les plus courts chemins entre deux points sur une surface</a:t>
+            </a:r>
+          </a:p>
+          <a:p>
+            <a:r>
+              <a:rPr lang="fr-FR" dirty="0" smtClean="0"/>
+              <a:t> </a:t>
+            </a:r>
+            <a:r>
+              <a:rPr lang="en-US" i="1" dirty="0"/>
+              <a:t>Geodesics in Heat : A New Approach to Computing Distance Based on </a:t>
+            </a:r>
+            <a:r>
+              <a:rPr lang="en-US" i="1" dirty="0" smtClean="0"/>
+              <a:t>Heat Flow</a:t>
+            </a:r>
+            <a:r>
+              <a:rPr lang="en-US" dirty="0"/>
+              <a:t> </a:t>
+            </a:r>
+            <a:r>
+              <a:rPr lang="en-US" dirty="0" smtClean="0"/>
+              <a:t>[Crane 2013</a:t>
+            </a:r>
+            <a:r>
+              <a:rPr lang="en-US" dirty="0"/>
+              <a:t>]</a:t>
+            </a:r>
+            <a:endParaRPr lang="en-US" dirty="0" smtClean="0"/>
+          </a:p>
+        </p:txBody>
+      </p:sp>
+    </p:spTree>
+    <p:extLst>
+      <p:ext uri="{BB962C8B-B14F-4D97-AF65-F5344CB8AC3E}">
+        <p14:creationId xmlns:p14="http://schemas.microsoft.com/office/powerpoint/2010/main" val="3888808080"/>
+      </p:ext>
+    </p:extLst>
+  </p:cSld>
+  <p:clrMapOvr>
+    <a:masterClrMapping/>
+  </p:clrMapOvr>
+  <p:timing>
+    <p:tnLst>
+      <p:par>
+        <p:cTn id="1" dur="indefinite" restart="never" nodeType="tmRoot"/>
+      </p:par>
+    </p:tnLst>
+  </p:timing>
+</p:sld>
+</file>
+
+<file path=ppt/slides/slide20.xml><?xml version="1.0" encoding="utf-8"?>
+<p:sld xmlns:a="http://schemas.openxmlformats.org/drawingml/2006/main" xmlns:r="http://schemas.openxmlformats.org/officeDocument/2006/relationships" xmlns:p="http://schemas.openxmlformats.org/presentationml/2006/main">
+  <p:cSld>
+    <p:spTree>
+      <p:nvGrpSpPr>
+        <p:cNvPr id="1" name=""/>
+        <p:cNvGrpSpPr/>
+        <p:nvPr/>
+      </p:nvGrpSpPr>
+      <p:grpSpPr>
+        <a:xfrm>
+          <a:off x="0" y="0"/>
+          <a:ext cx="0" cy="0"/>
+          <a:chOff x="0" y="0"/>
+          <a:chExt cx="0" cy="0"/>
+        </a:xfrm>
+      </p:grpSpPr>
+      <p:sp>
+        <p:nvSpPr>
           <p:cNvPr id="2" name="标题 1"/>
           <p:cNvSpPr>
             <a:spLocks noGrp="1"/>
@@ -12091,15 +12571,7 @@
           <a:p>
             <a:r>
               <a:rPr lang="fr-FR" dirty="0" smtClean="0"/>
-              <a:t>Algorithme </a:t>
-            </a:r>
-            <a:r>
-              <a:rPr lang="fr-FR" dirty="0" smtClean="0"/>
-              <a:t>récursif </a:t>
-            </a:r>
-            <a:r>
-              <a:rPr lang="fr-FR" dirty="0" smtClean="0"/>
-              <a:t>sur les triangles</a:t>
+              <a:t>Algorithme récursif sur les triangles</a:t>
             </a:r>
           </a:p>
           <a:p>
@@ -12160,7 +12632,7 @@
 </p:sld>
 </file>
 
-<file path=ppt/slides/slide17.xml><?xml version="1.0" encoding="utf-8"?>
+<file path=ppt/slides/slide21.xml><?xml version="1.0" encoding="utf-8"?>
 <p:sld xmlns:a="http://schemas.openxmlformats.org/drawingml/2006/main" xmlns:r="http://schemas.openxmlformats.org/officeDocument/2006/relationships" xmlns:p="http://schemas.openxmlformats.org/presentationml/2006/main">
   <p:cSld>
     <p:spTree>
@@ -12286,7 +12758,7 @@
 </p:sld>
 </file>
 
-<file path=ppt/slides/slide18.xml><?xml version="1.0" encoding="utf-8"?>
+<file path=ppt/slides/slide22.xml><?xml version="1.0" encoding="utf-8"?>
 <p:sld xmlns:a="http://schemas.openxmlformats.org/drawingml/2006/main" xmlns:r="http://schemas.openxmlformats.org/officeDocument/2006/relationships" xmlns:p="http://schemas.openxmlformats.org/presentationml/2006/main">
   <p:cSld>
     <p:spTree>
@@ -12554,7 +13026,15 @@
           <a:p>
             <a:r>
               <a:rPr lang="fr-FR" dirty="0" smtClean="0"/>
-              <a:t>Texture unidimensionnel : 2048 x 1 pixels</a:t>
+              <a:t>Texture </a:t>
+            </a:r>
+            <a:r>
+              <a:rPr lang="fr-FR" dirty="0" smtClean="0"/>
+              <a:t>unidimensionnelle </a:t>
+            </a:r>
+            <a:r>
+              <a:rPr lang="fr-FR" dirty="0" smtClean="0"/>
+              <a:t>: 2048 x 1 pixels</a:t>
             </a:r>
           </a:p>
           <a:p>
@@ -12607,7 +13087,7 @@
 </p:sld>
 </file>
 
-<file path=ppt/slides/slide19.xml><?xml version="1.0" encoding="utf-8"?>
+<file path=ppt/slides/slide23.xml><?xml version="1.0" encoding="utf-8"?>
 <p:sld xmlns:a="http://schemas.openxmlformats.org/drawingml/2006/main" xmlns:r="http://schemas.openxmlformats.org/officeDocument/2006/relationships" xmlns:p="http://schemas.openxmlformats.org/presentationml/2006/main">
   <p:cSld>
     <p:spTree>
@@ -12738,115 +13218,6 @@
 </p:sld>
 </file>
 
-<file path=ppt/slides/slide2.xml><?xml version="1.0" encoding="utf-8"?>
-<p:sld xmlns:a="http://schemas.openxmlformats.org/drawingml/2006/main" xmlns:r="http://schemas.openxmlformats.org/officeDocument/2006/relationships" xmlns:p="http://schemas.openxmlformats.org/presentationml/2006/main">
-  <p:cSld>
-    <p:spTree>
-      <p:nvGrpSpPr>
-        <p:cNvPr id="1" name=""/>
-        <p:cNvGrpSpPr/>
-        <p:nvPr/>
-      </p:nvGrpSpPr>
-      <p:grpSpPr>
-        <a:xfrm>
-          <a:off x="0" y="0"/>
-          <a:ext cx="0" cy="0"/>
-          <a:chOff x="0" y="0"/>
-          <a:chExt cx="0" cy="0"/>
-        </a:xfrm>
-      </p:grpSpPr>
-      <p:sp>
-        <p:nvSpPr>
-          <p:cNvPr id="2" name="Titre 1"/>
-          <p:cNvSpPr>
-            <a:spLocks noGrp="1"/>
-          </p:cNvSpPr>
-          <p:nvPr>
-            <p:ph type="title"/>
-          </p:nvPr>
-        </p:nvSpPr>
-        <p:spPr/>
-        <p:txBody>
-          <a:bodyPr/>
-          <a:lstStyle/>
-          <a:p>
-            <a:r>
-              <a:rPr lang="fr-FR" dirty="0" smtClean="0"/>
-              <a:t>Introduction</a:t>
-            </a:r>
-            <a:endParaRPr lang="en-US" dirty="0"/>
-          </a:p>
-        </p:txBody>
-      </p:sp>
-      <p:sp>
-        <p:nvSpPr>
-          <p:cNvPr id="3" name="Espace réservé du contenu 2"/>
-          <p:cNvSpPr>
-            <a:spLocks noGrp="1"/>
-          </p:cNvSpPr>
-          <p:nvPr>
-            <p:ph idx="1"/>
-          </p:nvPr>
-        </p:nvSpPr>
-        <p:spPr/>
-        <p:txBody>
-          <a:bodyPr/>
-          <a:lstStyle/>
-          <a:p>
-            <a:r>
-              <a:rPr lang="fr-FR" dirty="0" smtClean="0"/>
-              <a:t>Objectif : Chercher les plus courts chemins entre deux points sur une surface</a:t>
-            </a:r>
-          </a:p>
-          <a:p>
-            <a:r>
-              <a:rPr lang="fr-FR" dirty="0" smtClean="0"/>
-              <a:t> </a:t>
-            </a:r>
-            <a:r>
-              <a:rPr lang="en-US" i="1" dirty="0"/>
-              <a:t>Geodesics in Heat : A New Approach to Computing Distance Based on </a:t>
-            </a:r>
-            <a:r>
-              <a:rPr lang="en-US" i="1" dirty="0" smtClean="0"/>
-              <a:t>Heat Flow</a:t>
-            </a:r>
-            <a:r>
-              <a:rPr lang="en-US" dirty="0"/>
-              <a:t> </a:t>
-            </a:r>
-            <a:r>
-              <a:rPr lang="en-US" dirty="0" smtClean="0"/>
-              <a:t>[Crane 2013</a:t>
-            </a:r>
-            <a:r>
-              <a:rPr lang="en-US" dirty="0"/>
-              <a:t>]</a:t>
-            </a:r>
-            <a:endParaRPr lang="en-US" dirty="0" smtClean="0"/>
-          </a:p>
-        </p:txBody>
-      </p:sp>
-    </p:spTree>
-    <p:extLst>
-      <p:ext uri="{BB962C8B-B14F-4D97-AF65-F5344CB8AC3E}">
-        <p14:creationId xmlns:p14="http://schemas.microsoft.com/office/powerpoint/2010/main" val="3888808080"/>
-      </p:ext>
-    </p:extLst>
-  </p:cSld>
-  <p:clrMapOvr>
-    <a:masterClrMapping/>
-  </p:clrMapOvr>
-  <p:timing>
-    <p:tnLst>
-      <p:par>
-        <p:cTn id="1" dur="indefinite" restart="never" nodeType="tmRoot"/>
-      </p:par>
-    </p:tnLst>
-  </p:timing>
-</p:sld>
-</file>
-
 <file path=ppt/slides/slide3.xml><?xml version="1.0" encoding="utf-8"?>
 <p:sld xmlns:a="http://schemas.openxmlformats.org/drawingml/2006/main" xmlns:r="http://schemas.openxmlformats.org/officeDocument/2006/relationships" xmlns:p="http://schemas.openxmlformats.org/presentationml/2006/main">
   <p:cSld>
@@ -13045,6 +13416,82 @@
       </p:grpSpPr>
       <p:sp>
         <p:nvSpPr>
+          <p:cNvPr id="4" name="标题 3"/>
+          <p:cNvSpPr>
+            <a:spLocks noGrp="1"/>
+          </p:cNvSpPr>
+          <p:nvPr>
+            <p:ph type="title"/>
+          </p:nvPr>
+        </p:nvSpPr>
+        <p:spPr/>
+        <p:txBody>
+          <a:bodyPr/>
+          <a:lstStyle/>
+          <a:p>
+            <a:r>
+              <a:rPr lang="en-GB" dirty="0" smtClean="0"/>
+              <a:t>I. </a:t>
+            </a:r>
+            <a:r>
+              <a:rPr lang="en-GB" dirty="0" err="1" smtClean="0"/>
+              <a:t>Algorithme</a:t>
+            </a:r>
+            <a:endParaRPr lang="en-GB" dirty="0"/>
+          </a:p>
+        </p:txBody>
+      </p:sp>
+      <p:sp>
+        <p:nvSpPr>
+          <p:cNvPr id="5" name="文本占位符 4"/>
+          <p:cNvSpPr>
+            <a:spLocks noGrp="1"/>
+          </p:cNvSpPr>
+          <p:nvPr>
+            <p:ph type="body" idx="1"/>
+          </p:nvPr>
+        </p:nvSpPr>
+        <p:spPr/>
+        <p:txBody>
+          <a:bodyPr/>
+          <a:lstStyle/>
+          <a:p>
+            <a:endParaRPr lang="en-GB"/>
+          </a:p>
+        </p:txBody>
+      </p:sp>
+    </p:spTree>
+    <p:extLst>
+      <p:ext uri="{BB962C8B-B14F-4D97-AF65-F5344CB8AC3E}">
+        <p14:creationId xmlns:p14="http://schemas.microsoft.com/office/powerpoint/2010/main" val="3999683751"/>
+      </p:ext>
+    </p:extLst>
+  </p:cSld>
+  <p:clrMapOvr>
+    <a:masterClrMapping/>
+  </p:clrMapOvr>
+</p:sld>
+</file>
+
+<file path=ppt/slides/slide5.xml><?xml version="1.0" encoding="utf-8"?>
+<p:sld xmlns:a="http://schemas.openxmlformats.org/drawingml/2006/main" xmlns:r="http://schemas.openxmlformats.org/officeDocument/2006/relationships" xmlns:p="http://schemas.openxmlformats.org/presentationml/2006/main">
+  <p:cSld>
+    <p:spTree>
+      <p:nvGrpSpPr>
+        <p:cNvPr id="1" name=""/>
+        <p:cNvGrpSpPr/>
+        <p:nvPr/>
+      </p:nvGrpSpPr>
+      <p:grpSpPr>
+        <a:xfrm>
+          <a:off x="0" y="0"/>
+          <a:ext cx="0" cy="0"/>
+          <a:chOff x="0" y="0"/>
+          <a:chExt cx="0" cy="0"/>
+        </a:xfrm>
+      </p:grpSpPr>
+      <p:sp>
+        <p:nvSpPr>
           <p:cNvPr id="2" name="Titre 1"/>
           <p:cNvSpPr>
             <a:spLocks noGrp="1"/>
@@ -13066,8 +13513,8 @@
           </a:p>
         </p:txBody>
       </p:sp>
-      <mc:AlternateContent xmlns:mc="http://schemas.openxmlformats.org/markup-compatibility/2006" xmlns:a14="http://schemas.microsoft.com/office/drawing/2010/main">
-        <mc:Choice Requires="a14">
+      <mc:AlternateContent xmlns:mc="http://schemas.openxmlformats.org/markup-compatibility/2006">
+        <mc:Choice xmlns:a14="http://schemas.microsoft.com/office/drawing/2010/main" Requires="a14">
           <p:sp>
             <p:nvSpPr>
               <p:cNvPr id="3" name="Espace réservé du contenu 2"/>
@@ -13171,7 +13618,7 @@
                             <a:latin typeface="Cambria Math" panose="02040503050406030204" pitchFamily="18" charset="0"/>
                             <a:ea typeface="Cambria Math" panose="02040503050406030204" pitchFamily="18" charset="0"/>
                           </a:rPr>
-                          <m:t>𝛻</m:t>
+                          <m:t>∆</m:t>
                         </m:r>
                       </m:e>
                     </m:d>
@@ -13378,7 +13825,7 @@
             </p:txBody>
           </p:sp>
         </mc:Choice>
-        <mc:Fallback xmlns="">
+        <mc:Fallback>
           <p:sp>
             <p:nvSpPr>
               <p:cNvPr id="3" name="Espace réservé du contenu 2"/>
@@ -13402,7 +13849,7 @@
               <a:lstStyle/>
               <a:p>
                 <a:r>
-                  <a:rPr lang="en-US">
+                  <a:rPr lang="en-GB">
                     <a:noFill/>
                   </a:rPr>
                   <a:t> </a:t>
@@ -13432,7 +13879,7 @@
 </p:sld>
 </file>
 
-<file path=ppt/slides/slide5.xml><?xml version="1.0" encoding="utf-8"?>
+<file path=ppt/slides/slide6.xml><?xml version="1.0" encoding="utf-8"?>
 <p:sld xmlns:a="http://schemas.openxmlformats.org/drawingml/2006/main" xmlns:r="http://schemas.openxmlformats.org/officeDocument/2006/relationships" xmlns:p="http://schemas.openxmlformats.org/presentationml/2006/main">
   <p:cSld>
     <p:spTree>
@@ -13476,8 +13923,8 @@
           </a:p>
         </p:txBody>
       </p:sp>
-      <mc:AlternateContent xmlns:mc="http://schemas.openxmlformats.org/markup-compatibility/2006" xmlns:a14="http://schemas.microsoft.com/office/drawing/2010/main">
-        <mc:Choice Requires="a14">
+      <mc:AlternateContent xmlns:mc="http://schemas.openxmlformats.org/markup-compatibility/2006">
+        <mc:Choice xmlns:a14="http://schemas.microsoft.com/office/drawing/2010/main" Requires="a14">
           <p:sp>
             <p:nvSpPr>
               <p:cNvPr id="3" name="Espace réservé du contenu 2"/>
@@ -13529,11 +13976,11 @@
                           <m:t>𝑡</m:t>
                         </m:r>
                         <m:r>
-                          <a:rPr lang="fr-FR" i="1">
+                          <a:rPr lang="fr-FR" i="1" smtClean="0">
                             <a:latin typeface="Cambria Math" panose="02040503050406030204" pitchFamily="18" charset="0"/>
                             <a:ea typeface="Cambria Math" panose="02040503050406030204" pitchFamily="18" charset="0"/>
                           </a:rPr>
-                          <m:t>𝛻</m:t>
+                          <m:t>∆</m:t>
                         </m:r>
                       </m:e>
                     </m:d>
@@ -14464,7 +14911,7 @@
             </p:txBody>
           </p:sp>
         </mc:Choice>
-        <mc:Fallback xmlns="">
+        <mc:Fallback>
           <p:sp>
             <p:nvSpPr>
               <p:cNvPr id="3" name="Espace réservé du contenu 2"/>
@@ -14488,7 +14935,7 @@
               <a:lstStyle/>
               <a:p>
                 <a:r>
-                  <a:rPr lang="en-US">
+                  <a:rPr lang="en-GB">
                     <a:noFill/>
                   </a:rPr>
                   <a:t> </a:t>
@@ -14555,7 +15002,7 @@
 </p:sld>
 </file>
 
-<file path=ppt/slides/slide6.xml><?xml version="1.0" encoding="utf-8"?>
+<file path=ppt/slides/slide7.xml><?xml version="1.0" encoding="utf-8"?>
 <p:sld xmlns:a="http://schemas.openxmlformats.org/drawingml/2006/main" xmlns:r="http://schemas.openxmlformats.org/officeDocument/2006/relationships" xmlns:p="http://schemas.openxmlformats.org/presentationml/2006/main">
   <p:cSld>
     <p:spTree>
@@ -15015,7 +15462,7 @@
 </p:sld>
 </file>
 
-<file path=ppt/slides/slide7.xml><?xml version="1.0" encoding="utf-8"?>
+<file path=ppt/slides/slide8.xml><?xml version="1.0" encoding="utf-8"?>
 <p:sld xmlns:a="http://schemas.openxmlformats.org/drawingml/2006/main" xmlns:r="http://schemas.openxmlformats.org/officeDocument/2006/relationships" xmlns:p="http://schemas.openxmlformats.org/presentationml/2006/main">
   <p:cSld>
     <p:spTree>
@@ -15670,107 +16117,6 @@
 </p:sld>
 </file>
 
-<file path=ppt/slides/slide8.xml><?xml version="1.0" encoding="utf-8"?>
-<p:sld xmlns:a="http://schemas.openxmlformats.org/drawingml/2006/main" xmlns:r="http://schemas.openxmlformats.org/officeDocument/2006/relationships" xmlns:p="http://schemas.openxmlformats.org/presentationml/2006/main">
-  <p:cSld>
-    <p:spTree>
-      <p:nvGrpSpPr>
-        <p:cNvPr id="1" name=""/>
-        <p:cNvGrpSpPr/>
-        <p:nvPr/>
-      </p:nvGrpSpPr>
-      <p:grpSpPr>
-        <a:xfrm>
-          <a:off x="0" y="0"/>
-          <a:ext cx="0" cy="0"/>
-          <a:chOff x="0" y="0"/>
-          <a:chExt cx="0" cy="0"/>
-        </a:xfrm>
-      </p:grpSpPr>
-      <p:sp>
-        <p:nvSpPr>
-          <p:cNvPr id="2" name="标题 1"/>
-          <p:cNvSpPr>
-            <a:spLocks noGrp="1"/>
-          </p:cNvSpPr>
-          <p:nvPr>
-            <p:ph type="title"/>
-          </p:nvPr>
-        </p:nvSpPr>
-        <p:spPr/>
-        <p:txBody>
-          <a:bodyPr/>
-          <a:lstStyle/>
-          <a:p>
-            <a:r>
-              <a:rPr lang="fr-FR" dirty="0" smtClean="0"/>
-              <a:t>Implémentation - Environnement</a:t>
-            </a:r>
-            <a:endParaRPr lang="en-GB" dirty="0"/>
-          </a:p>
-        </p:txBody>
-      </p:sp>
-      <p:sp>
-        <p:nvSpPr>
-          <p:cNvPr id="3" name="内容占位符 2"/>
-          <p:cNvSpPr>
-            <a:spLocks noGrp="1"/>
-          </p:cNvSpPr>
-          <p:nvPr>
-            <p:ph idx="1"/>
-          </p:nvPr>
-        </p:nvSpPr>
-        <p:spPr/>
-        <p:txBody>
-          <a:bodyPr/>
-          <a:lstStyle/>
-          <a:p>
-            <a:r>
-              <a:rPr lang="fr-FR" dirty="0" err="1" smtClean="0"/>
-              <a:t>Unity</a:t>
-            </a:r>
-            <a:r>
-              <a:rPr lang="fr-FR" dirty="0" smtClean="0"/>
-              <a:t> C#</a:t>
-            </a:r>
-          </a:p>
-          <a:p>
-            <a:endParaRPr lang="fr-FR" dirty="0"/>
-          </a:p>
-          <a:p>
-            <a:r>
-              <a:rPr lang="fr-FR" dirty="0" smtClean="0"/>
-              <a:t>ALGLIB</a:t>
-            </a:r>
-          </a:p>
-          <a:p>
-            <a:endParaRPr lang="fr-FR" dirty="0"/>
-          </a:p>
-          <a:p>
-            <a:endParaRPr lang="en-GB" dirty="0"/>
-          </a:p>
-        </p:txBody>
-      </p:sp>
-    </p:spTree>
-    <p:extLst>
-      <p:ext uri="{BB962C8B-B14F-4D97-AF65-F5344CB8AC3E}">
-        <p14:creationId xmlns:p14="http://schemas.microsoft.com/office/powerpoint/2010/main" val="2081980908"/>
-      </p:ext>
-    </p:extLst>
-  </p:cSld>
-  <p:clrMapOvr>
-    <a:masterClrMapping/>
-  </p:clrMapOvr>
-  <p:timing>
-    <p:tnLst>
-      <p:par>
-        <p:cTn id="1" dur="indefinite" restart="never" nodeType="tmRoot"/>
-      </p:par>
-    </p:tnLst>
-  </p:timing>
-</p:sld>
-</file>
-
 <file path=ppt/slides/slide9.xml><?xml version="1.0" encoding="utf-8"?>
 <p:sld xmlns:a="http://schemas.openxmlformats.org/drawingml/2006/main" xmlns:r="http://schemas.openxmlformats.org/officeDocument/2006/relationships" xmlns:p="http://schemas.openxmlformats.org/presentationml/2006/main">
   <p:cSld>
@@ -15790,7 +16136,7 @@
       </p:grpSpPr>
       <p:sp>
         <p:nvSpPr>
-          <p:cNvPr id="2" name="标题 1"/>
+          <p:cNvPr id="4" name="标题 3"/>
           <p:cNvSpPr>
             <a:spLocks noGrp="1"/>
           </p:cNvSpPr>
@@ -15804,21 +16150,20 @@
           <a:lstStyle/>
           <a:p>
             <a:r>
-              <a:rPr lang="fr-FR" dirty="0" smtClean="0"/>
-              <a:t>Implémentation</a:t>
-            </a:r>
-            <a:endParaRPr lang="en-GB" dirty="0"/>
+              <a:rPr lang="fr-FR" altLang="zh-CN" dirty="0"/>
+              <a:t>II. Implémentation</a:t>
+            </a:r>
           </a:p>
         </p:txBody>
       </p:sp>
       <p:sp>
         <p:nvSpPr>
-          <p:cNvPr id="3" name="内容占位符 2"/>
+          <p:cNvPr id="5" name="文本占位符 4"/>
           <p:cNvSpPr>
             <a:spLocks noGrp="1"/>
           </p:cNvSpPr>
           <p:nvPr>
-            <p:ph idx="1"/>
+            <p:ph type="body" idx="1"/>
           </p:nvPr>
         </p:nvSpPr>
         <p:spPr/>
@@ -15826,76 +16171,20 @@
           <a:bodyPr/>
           <a:lstStyle/>
           <a:p>
-            <a:r>
-              <a:rPr lang="fr-FR" dirty="0" smtClean="0"/>
-              <a:t>Conversion de </a:t>
-            </a:r>
-            <a:r>
-              <a:rPr lang="fr-FR" dirty="0" err="1" smtClean="0"/>
-              <a:t>mesh</a:t>
-            </a:r>
-            <a:endParaRPr lang="fr-FR" dirty="0" smtClean="0"/>
-          </a:p>
-          <a:p>
-            <a:endParaRPr lang="fr-FR" dirty="0"/>
-          </a:p>
-          <a:p>
-            <a:r>
-              <a:rPr lang="fr-FR" dirty="0" err="1" smtClean="0"/>
-              <a:t>Précalculs</a:t>
-            </a:r>
-            <a:endParaRPr lang="fr-FR" dirty="0" smtClean="0"/>
-          </a:p>
-          <a:p>
-            <a:endParaRPr lang="fr-FR" dirty="0"/>
-          </a:p>
-          <a:p>
-            <a:r>
-              <a:rPr lang="fr-FR" dirty="0" smtClean="0"/>
-              <a:t>Résolution des équations</a:t>
-            </a:r>
-          </a:p>
-          <a:p>
-            <a:endParaRPr lang="fr-FR" dirty="0"/>
-          </a:p>
-          <a:p>
-            <a:r>
-              <a:rPr lang="fr-FR" dirty="0" smtClean="0"/>
-              <a:t>Texture </a:t>
-            </a:r>
-            <a:r>
-              <a:rPr lang="fr-FR" dirty="0" err="1"/>
-              <a:t>m</a:t>
-            </a:r>
-            <a:r>
-              <a:rPr lang="fr-FR" dirty="0" err="1" smtClean="0"/>
-              <a:t>apping</a:t>
-            </a:r>
-            <a:r>
-              <a:rPr lang="fr-FR" dirty="0" smtClean="0"/>
-              <a:t> / Navigation</a:t>
-            </a:r>
-            <a:endParaRPr lang="en-GB" dirty="0"/>
+            <a:endParaRPr lang="en-GB"/>
           </a:p>
         </p:txBody>
       </p:sp>
     </p:spTree>
     <p:extLst>
       <p:ext uri="{BB962C8B-B14F-4D97-AF65-F5344CB8AC3E}">
-        <p14:creationId xmlns:p14="http://schemas.microsoft.com/office/powerpoint/2010/main" val="3419856860"/>
+        <p14:creationId xmlns:p14="http://schemas.microsoft.com/office/powerpoint/2010/main" val="2919835498"/>
       </p:ext>
     </p:extLst>
   </p:cSld>
   <p:clrMapOvr>
     <a:masterClrMapping/>
   </p:clrMapOvr>
-  <p:timing>
-    <p:tnLst>
-      <p:par>
-        <p:cTn id="1" dur="indefinite" restart="never" nodeType="tmRoot"/>
-      </p:par>
-    </p:tnLst>
-  </p:timing>
 </p:sld>
 </file>
 
